--- a/cic - documentation/infrastructure.pptx
+++ b/cic - documentation/infrastructure.pptx
@@ -104,6 +104,11 @@
       </a:defRPr>
     </a:lvl9pPr>
   </p:defaultTextStyle>
+  <p:extLst>
+    <p:ext uri="{EFAFB233-063F-42B5-8137-9DF3F51BA10A}">
+      <p15:sldGuideLst xmlns:p15="http://schemas.microsoft.com/office/powerpoint/2012/main"/>
+    </p:ext>
+  </p:extLst>
 </p:presentation>
 </file>
 
@@ -256,7 +261,7 @@
           <a:p>
             <a:fld id="{506B774D-02BE-0840-AD6D-63CC8002D64D}" type="datetimeFigureOut">
               <a:rPr lang="en-CH" smtClean="0"/>
-              <a:t>09.01.23</a:t>
+              <a:t>12.01.23</a:t>
             </a:fld>
             <a:endParaRPr lang="en-CH"/>
           </a:p>
@@ -456,7 +461,7 @@
           <a:p>
             <a:fld id="{506B774D-02BE-0840-AD6D-63CC8002D64D}" type="datetimeFigureOut">
               <a:rPr lang="en-CH" smtClean="0"/>
-              <a:t>09.01.23</a:t>
+              <a:t>12.01.23</a:t>
             </a:fld>
             <a:endParaRPr lang="en-CH"/>
           </a:p>
@@ -666,7 +671,7 @@
           <a:p>
             <a:fld id="{506B774D-02BE-0840-AD6D-63CC8002D64D}" type="datetimeFigureOut">
               <a:rPr lang="en-CH" smtClean="0"/>
-              <a:t>09.01.23</a:t>
+              <a:t>12.01.23</a:t>
             </a:fld>
             <a:endParaRPr lang="en-CH"/>
           </a:p>
@@ -866,7 +871,7 @@
           <a:p>
             <a:fld id="{506B774D-02BE-0840-AD6D-63CC8002D64D}" type="datetimeFigureOut">
               <a:rPr lang="en-CH" smtClean="0"/>
-              <a:t>09.01.23</a:t>
+              <a:t>12.01.23</a:t>
             </a:fld>
             <a:endParaRPr lang="en-CH"/>
           </a:p>
@@ -1142,7 +1147,7 @@
           <a:p>
             <a:fld id="{506B774D-02BE-0840-AD6D-63CC8002D64D}" type="datetimeFigureOut">
               <a:rPr lang="en-CH" smtClean="0"/>
-              <a:t>09.01.23</a:t>
+              <a:t>12.01.23</a:t>
             </a:fld>
             <a:endParaRPr lang="en-CH"/>
           </a:p>
@@ -1410,7 +1415,7 @@
           <a:p>
             <a:fld id="{506B774D-02BE-0840-AD6D-63CC8002D64D}" type="datetimeFigureOut">
               <a:rPr lang="en-CH" smtClean="0"/>
-              <a:t>09.01.23</a:t>
+              <a:t>12.01.23</a:t>
             </a:fld>
             <a:endParaRPr lang="en-CH"/>
           </a:p>
@@ -1825,7 +1830,7 @@
           <a:p>
             <a:fld id="{506B774D-02BE-0840-AD6D-63CC8002D64D}" type="datetimeFigureOut">
               <a:rPr lang="en-CH" smtClean="0"/>
-              <a:t>09.01.23</a:t>
+              <a:t>12.01.23</a:t>
             </a:fld>
             <a:endParaRPr lang="en-CH"/>
           </a:p>
@@ -1967,7 +1972,7 @@
           <a:p>
             <a:fld id="{506B774D-02BE-0840-AD6D-63CC8002D64D}" type="datetimeFigureOut">
               <a:rPr lang="en-CH" smtClean="0"/>
-              <a:t>09.01.23</a:t>
+              <a:t>12.01.23</a:t>
             </a:fld>
             <a:endParaRPr lang="en-CH"/>
           </a:p>
@@ -2080,7 +2085,7 @@
           <a:p>
             <a:fld id="{506B774D-02BE-0840-AD6D-63CC8002D64D}" type="datetimeFigureOut">
               <a:rPr lang="en-CH" smtClean="0"/>
-              <a:t>09.01.23</a:t>
+              <a:t>12.01.23</a:t>
             </a:fld>
             <a:endParaRPr lang="en-CH"/>
           </a:p>
@@ -2393,7 +2398,7 @@
           <a:p>
             <a:fld id="{506B774D-02BE-0840-AD6D-63CC8002D64D}" type="datetimeFigureOut">
               <a:rPr lang="en-CH" smtClean="0"/>
-              <a:t>09.01.23</a:t>
+              <a:t>12.01.23</a:t>
             </a:fld>
             <a:endParaRPr lang="en-CH"/>
           </a:p>
@@ -2682,7 +2687,7 @@
           <a:p>
             <a:fld id="{506B774D-02BE-0840-AD6D-63CC8002D64D}" type="datetimeFigureOut">
               <a:rPr lang="en-CH" smtClean="0"/>
-              <a:t>09.01.23</a:t>
+              <a:t>12.01.23</a:t>
             </a:fld>
             <a:endParaRPr lang="en-CH"/>
           </a:p>
@@ -2925,7 +2930,7 @@
           <a:p>
             <a:fld id="{506B774D-02BE-0840-AD6D-63CC8002D64D}" type="datetimeFigureOut">
               <a:rPr lang="en-CH" smtClean="0"/>
-              <a:t>09.01.23</a:t>
+              <a:t>12.01.23</a:t>
             </a:fld>
             <a:endParaRPr lang="en-CH"/>
           </a:p>
@@ -5332,6 +5337,131 @@
           </a:p>
         </p:txBody>
       </p:sp>
+      <p:sp>
+        <p:nvSpPr>
+          <p:cNvPr id="2" name="TextBox 1">
+            <a:extLst>
+              <a:ext uri="{FF2B5EF4-FFF2-40B4-BE49-F238E27FC236}">
+                <a16:creationId xmlns:a16="http://schemas.microsoft.com/office/drawing/2014/main" id="{5C876C0C-5D84-16B8-08DE-352288C3B86A}"/>
+              </a:ext>
+            </a:extLst>
+          </p:cNvPr>
+          <p:cNvSpPr txBox="1"/>
+          <p:nvPr/>
+        </p:nvSpPr>
+        <p:spPr>
+          <a:xfrm>
+            <a:off x="4249043" y="2271403"/>
+            <a:ext cx="981888" cy="646331"/>
+          </a:xfrm>
+          <a:prstGeom prst="rect">
+            <a:avLst/>
+          </a:prstGeom>
+          <a:noFill/>
+          <a:ln>
+            <a:solidFill>
+              <a:schemeClr val="tx1"/>
+            </a:solidFill>
+            <a:prstDash val="dash"/>
+          </a:ln>
+        </p:spPr>
+        <p:txBody>
+          <a:bodyPr wrap="square" rtlCol="0">
+            <a:spAutoFit/>
+          </a:bodyPr>
+          <a:lstStyle/>
+          <a:p>
+            <a:pPr algn="ctr"/>
+            <a:r>
+              <a:rPr lang="en-CH" dirty="0"/>
+              <a:t>Mock Option</a:t>
+            </a:r>
+          </a:p>
+        </p:txBody>
+      </p:sp>
+      <p:cxnSp>
+        <p:nvCxnSpPr>
+          <p:cNvPr id="3" name="Straight Arrow Connector 2">
+            <a:extLst>
+              <a:ext uri="{FF2B5EF4-FFF2-40B4-BE49-F238E27FC236}">
+                <a16:creationId xmlns:a16="http://schemas.microsoft.com/office/drawing/2014/main" id="{18FFD438-BCEA-235F-826D-48FB309B4323}"/>
+              </a:ext>
+            </a:extLst>
+          </p:cNvPr>
+          <p:cNvCxnSpPr>
+            <a:cxnSpLocks/>
+          </p:cNvCxnSpPr>
+          <p:nvPr/>
+        </p:nvCxnSpPr>
+        <p:spPr>
+          <a:xfrm flipH="1" flipV="1">
+            <a:off x="4893276" y="2917734"/>
+            <a:ext cx="986968" cy="1091477"/>
+          </a:xfrm>
+          <a:prstGeom prst="straightConnector1">
+            <a:avLst/>
+          </a:prstGeom>
+          <a:ln>
+            <a:tailEnd type="triangle"/>
+          </a:ln>
+        </p:spPr>
+        <p:style>
+          <a:lnRef idx="1">
+            <a:schemeClr val="dk1"/>
+          </a:lnRef>
+          <a:fillRef idx="0">
+            <a:schemeClr val="dk1"/>
+          </a:fillRef>
+          <a:effectRef idx="0">
+            <a:schemeClr val="dk1"/>
+          </a:effectRef>
+          <a:fontRef idx="minor">
+            <a:schemeClr val="tx1"/>
+          </a:fontRef>
+        </p:style>
+      </p:cxnSp>
+      <p:cxnSp>
+        <p:nvCxnSpPr>
+          <p:cNvPr id="5" name="Straight Arrow Connector 4">
+            <a:extLst>
+              <a:ext uri="{FF2B5EF4-FFF2-40B4-BE49-F238E27FC236}">
+                <a16:creationId xmlns:a16="http://schemas.microsoft.com/office/drawing/2014/main" id="{2857C4D5-7E4C-17B4-005B-0D467B64BF02}"/>
+              </a:ext>
+            </a:extLst>
+          </p:cNvPr>
+          <p:cNvCxnSpPr>
+            <a:cxnSpLocks/>
+            <a:stCxn id="2" idx="2"/>
+          </p:cNvCxnSpPr>
+          <p:nvPr/>
+        </p:nvCxnSpPr>
+        <p:spPr>
+          <a:xfrm>
+            <a:off x="4739987" y="2917734"/>
+            <a:ext cx="1001786" cy="1102024"/>
+          </a:xfrm>
+          <a:prstGeom prst="straightConnector1">
+            <a:avLst/>
+          </a:prstGeom>
+          <a:ln>
+            <a:tailEnd type="triangle"/>
+          </a:ln>
+        </p:spPr>
+        <p:style>
+          <a:lnRef idx="1">
+            <a:schemeClr val="dk1"/>
+          </a:lnRef>
+          <a:fillRef idx="0">
+            <a:schemeClr val="dk1"/>
+          </a:fillRef>
+          <a:effectRef idx="0">
+            <a:schemeClr val="dk1"/>
+          </a:effectRef>
+          <a:fontRef idx="minor">
+            <a:schemeClr val="tx1"/>
+          </a:fontRef>
+        </p:style>
+      </p:cxnSp>
     </p:spTree>
     <p:extLst>
       <p:ext uri="{BB962C8B-B14F-4D97-AF65-F5344CB8AC3E}">
